--- a/sesija-17/PPT/Front-End Developer-17.pptx
+++ b/sesija-17/PPT/Front-End Developer-17.pptx
@@ -904,7 +904,7 @@
         <a:p>
           <a:r>
             <a:rPr lang="en-US" b="1" smtClean="0"/>
-            <a:t>HTML</a:t>
+            <a:t>HTML i JavaScript</a:t>
           </a:r>
           <a:endParaRPr lang="en-US"/>
         </a:p>
@@ -939,6 +939,10 @@
         <a:bodyPr/>
         <a:lstStyle/>
         <a:p>
+          <a:r>
+            <a:rPr lang="en-US" smtClean="0"/>
+            <a:t>Ajax – XmlHttpRequst</a:t>
+          </a:r>
           <a:endParaRPr lang="en-US"/>
         </a:p>
       </dgm:t>
@@ -948,6 +952,29 @@
       <dgm:spPr/>
     </dgm:pt>
     <dgm:pt modelId="{B8A6BCFB-F597-4971-BF20-6B7B52347AE9}" type="sibTrans" cxnId="{C78D7D1E-4353-489A-8F01-856C716DDAA5}">
+      <dgm:prSet/>
+      <dgm:spPr/>
+    </dgm:pt>
+    <dgm:pt modelId="{8554CDFF-112D-4801-84C0-38349979228F}">
+      <dgm:prSet phldrT="[Text]"/>
+      <dgm:spPr/>
+      <dgm:t>
+        <a:bodyPr/>
+        <a:lstStyle/>
+        <a:p>
+          <a:r>
+            <a:rPr lang="en-US" smtClean="0"/>
+            <a:t>Movie search app</a:t>
+          </a:r>
+          <a:endParaRPr lang="en-US"/>
+        </a:p>
+      </dgm:t>
+    </dgm:pt>
+    <dgm:pt modelId="{E0B7AF53-6CA9-4081-B721-BCE26F759696}" type="parTrans" cxnId="{8CCB7689-5E05-4CD7-83AD-C321DFB067CA}">
+      <dgm:prSet/>
+      <dgm:spPr/>
+    </dgm:pt>
+    <dgm:pt modelId="{5A032C55-CAF2-4B95-AF9B-C6C4D17A1423}" type="sibTrans" cxnId="{8CCB7689-5E05-4CD7-83AD-C321DFB067CA}">
       <dgm:prSet/>
       <dgm:spPr/>
     </dgm:pt>
@@ -1001,9 +1028,11 @@
   </dgm:ptLst>
   <dgm:cxnLst>
     <dgm:cxn modelId="{C5A8E9B4-A897-4242-BCB6-414B02FAC18D}" type="presOf" srcId="{7BA3726F-3900-4FC3-8B1E-5B513F942281}" destId="{AADBD8E6-695F-4FE3-9A02-D807BC812A7C}" srcOrd="0" destOrd="0" presId="urn:microsoft.com/office/officeart/2005/8/layout/vList2"/>
+    <dgm:cxn modelId="{8CCB7689-5E05-4CD7-83AD-C321DFB067CA}" srcId="{01EB205F-FC18-44EF-B4D7-07083A382D6D}" destId="{8554CDFF-112D-4801-84C0-38349979228F}" srcOrd="1" destOrd="0" parTransId="{E0B7AF53-6CA9-4081-B721-BCE26F759696}" sibTransId="{5A032C55-CAF2-4B95-AF9B-C6C4D17A1423}"/>
     <dgm:cxn modelId="{FB3F133B-D980-4586-8A93-14087C2AFDB7}" type="presOf" srcId="{01EB205F-FC18-44EF-B4D7-07083A382D6D}" destId="{F4D94EE2-DE87-41D3-8995-9FDA4ED2D4BE}" srcOrd="0" destOrd="0" presId="urn:microsoft.com/office/officeart/2005/8/layout/vList2"/>
     <dgm:cxn modelId="{C78D7D1E-4353-489A-8F01-856C716DDAA5}" srcId="{01EB205F-FC18-44EF-B4D7-07083A382D6D}" destId="{7BA3726F-3900-4FC3-8B1E-5B513F942281}" srcOrd="0" destOrd="0" parTransId="{F89418B0-7D47-48D3-A0DD-7DC00E292A1E}" sibTransId="{B8A6BCFB-F597-4971-BF20-6B7B52347AE9}"/>
     <dgm:cxn modelId="{554D4833-0D13-4D4C-92BF-76D83AECFDE6}" srcId="{4EE1351B-4B79-4D48-8F5E-455F7AD945A8}" destId="{01EB205F-FC18-44EF-B4D7-07083A382D6D}" srcOrd="0" destOrd="0" parTransId="{D4C6F2B3-566C-488E-AC05-F7BDFB6B7331}" sibTransId="{2BF717F9-FCD3-4CE3-A0A5-83D104AFB328}"/>
+    <dgm:cxn modelId="{CF36F2AB-6CB3-4081-A923-38267DE610B8}" type="presOf" srcId="{8554CDFF-112D-4801-84C0-38349979228F}" destId="{AADBD8E6-695F-4FE3-9A02-D807BC812A7C}" srcOrd="0" destOrd="1" presId="urn:microsoft.com/office/officeart/2005/8/layout/vList2"/>
     <dgm:cxn modelId="{9ADF0326-01FB-4790-B759-ACDFB0217796}" type="presOf" srcId="{4EE1351B-4B79-4D48-8F5E-455F7AD945A8}" destId="{AEABCDDF-3180-4C76-A7CB-FC0B6AF0719A}" srcOrd="0" destOrd="0" presId="urn:microsoft.com/office/officeart/2005/8/layout/vList2"/>
     <dgm:cxn modelId="{541BD5B9-51DA-497F-838D-CDA31366E980}" type="presParOf" srcId="{AEABCDDF-3180-4C76-A7CB-FC0B6AF0719A}" destId="{F4D94EE2-DE87-41D3-8995-9FDA4ED2D4BE}" srcOrd="0" destOrd="0" presId="urn:microsoft.com/office/officeart/2005/8/layout/vList2"/>
     <dgm:cxn modelId="{C7801D2E-7067-4E56-86BD-8C707C34363A}" type="presParOf" srcId="{AEABCDDF-3180-4C76-A7CB-FC0B6AF0719A}" destId="{AADBD8E6-695F-4FE3-9A02-D807BC812A7C}" srcOrd="1" destOrd="0" presId="urn:microsoft.com/office/officeart/2005/8/layout/vList2"/>
@@ -1033,7 +1062,7 @@
       </dsp:nvSpPr>
       <dsp:spPr>
         <a:xfrm>
-          <a:off x="0" y="1548347"/>
+          <a:off x="0" y="1245610"/>
           <a:ext cx="8298873" cy="1521000"/>
         </a:xfrm>
         <a:prstGeom prst="roundRect">
@@ -1093,13 +1122,13 @@
           </a:pPr>
           <a:r>
             <a:rPr lang="en-US" sz="6500" b="1" kern="1200" smtClean="0"/>
-            <a:t>HTML</a:t>
+            <a:t>HTML i JavaScript</a:t>
           </a:r>
           <a:endParaRPr lang="en-US" sz="6500" kern="1200"/>
         </a:p>
       </dsp:txBody>
       <dsp:txXfrm>
-        <a:off x="74249" y="1622596"/>
+        <a:off x="74249" y="1319859"/>
         <a:ext cx="8150375" cy="1372502"/>
       </dsp:txXfrm>
     </dsp:sp>
@@ -1110,8 +1139,8 @@
       </dsp:nvSpPr>
       <dsp:spPr>
         <a:xfrm>
-          <a:off x="0" y="3069347"/>
-          <a:ext cx="8298873" cy="1076400"/>
+          <a:off x="0" y="2766610"/>
+          <a:ext cx="8298873" cy="1681875"/>
         </a:xfrm>
         <a:prstGeom prst="rect">
           <a:avLst/>
@@ -1152,12 +1181,35 @@
             </a:spcAft>
             <a:buChar char="••"/>
           </a:pPr>
+          <a:r>
+            <a:rPr lang="en-US" sz="5100" kern="1200" smtClean="0"/>
+            <a:t>Ajax – XmlHttpRequst</a:t>
+          </a:r>
+          <a:endParaRPr lang="en-US" sz="5100" kern="1200"/>
+        </a:p>
+        <a:p>
+          <a:pPr marL="285750" lvl="1" indent="-285750" algn="l" defTabSz="2266950">
+            <a:lnSpc>
+              <a:spcPct val="90000"/>
+            </a:lnSpc>
+            <a:spcBef>
+              <a:spcPct val="0"/>
+            </a:spcBef>
+            <a:spcAft>
+              <a:spcPct val="20000"/>
+            </a:spcAft>
+            <a:buChar char="••"/>
+          </a:pPr>
+          <a:r>
+            <a:rPr lang="en-US" sz="5100" kern="1200" smtClean="0"/>
+            <a:t>Movie search app</a:t>
+          </a:r>
           <a:endParaRPr lang="en-US" sz="5100" kern="1200"/>
         </a:p>
       </dsp:txBody>
       <dsp:txXfrm>
-        <a:off x="0" y="3069347"/>
-        <a:ext cx="8298873" cy="1076400"/>
+        <a:off x="0" y="2766610"/>
+        <a:ext cx="8298873" cy="1681875"/>
       </dsp:txXfrm>
     </dsp:sp>
   </dsp:spTree>
@@ -2447,7 +2499,7 @@
           <a:p>
             <a:fld id="{D32AC403-8EB1-4D4E-8C3A-24BD19820531}" type="datetimeFigureOut">
               <a:rPr lang="en-US" smtClean="0"/>
-              <a:t>13-Mar-18</a:t>
+              <a:t>15-Mar-18</a:t>
             </a:fld>
             <a:endParaRPr lang="en-US"/>
           </a:p>
@@ -3193,7 +3245,7 @@
           <a:p>
             <a:fld id="{B35B300D-7DF5-4E96-8AA6-60E94C6E9F44}" type="datetimeFigureOut">
               <a:rPr lang="sr-Latn-RS" smtClean="0"/>
-              <a:t>13.3.2018.</a:t>
+              <a:t>15.3.2018.</a:t>
             </a:fld>
             <a:endParaRPr lang="sr-Latn-RS"/>
           </a:p>
@@ -3627,7 +3679,7 @@
           <a:p>
             <a:fld id="{B35B300D-7DF5-4E96-8AA6-60E94C6E9F44}" type="datetimeFigureOut">
               <a:rPr lang="sr-Latn-RS" smtClean="0"/>
-              <a:t>13.3.2018.</a:t>
+              <a:t>15.3.2018.</a:t>
             </a:fld>
             <a:endParaRPr lang="sr-Latn-RS"/>
           </a:p>
@@ -4001,7 +4053,7 @@
           <a:p>
             <a:fld id="{B35B300D-7DF5-4E96-8AA6-60E94C6E9F44}" type="datetimeFigureOut">
               <a:rPr lang="sr-Latn-RS" smtClean="0"/>
-              <a:t>13.3.2018.</a:t>
+              <a:t>15.3.2018.</a:t>
             </a:fld>
             <a:endParaRPr lang="sr-Latn-RS"/>
           </a:p>
@@ -4285,7 +4337,7 @@
           <a:p>
             <a:fld id="{B35B300D-7DF5-4E96-8AA6-60E94C6E9F44}" type="datetimeFigureOut">
               <a:rPr lang="sr-Latn-RS" smtClean="0"/>
-              <a:t>13.3.2018.</a:t>
+              <a:t>15.3.2018.</a:t>
             </a:fld>
             <a:endParaRPr lang="sr-Latn-RS"/>
           </a:p>
@@ -4462,7 +4514,7 @@
           <a:p>
             <a:fld id="{B35B300D-7DF5-4E96-8AA6-60E94C6E9F44}" type="datetimeFigureOut">
               <a:rPr lang="sr-Latn-RS" smtClean="0"/>
-              <a:t>13.3.2018.</a:t>
+              <a:t>15.3.2018.</a:t>
             </a:fld>
             <a:endParaRPr lang="sr-Latn-RS"/>
           </a:p>
@@ -4649,7 +4701,7 @@
           <a:p>
             <a:fld id="{B35B300D-7DF5-4E96-8AA6-60E94C6E9F44}" type="datetimeFigureOut">
               <a:rPr lang="sr-Latn-RS" smtClean="0"/>
-              <a:t>13.3.2018.</a:t>
+              <a:t>15.3.2018.</a:t>
             </a:fld>
             <a:endParaRPr lang="sr-Latn-RS"/>
           </a:p>
@@ -4896,7 +4948,7 @@
           <a:p>
             <a:fld id="{B35B300D-7DF5-4E96-8AA6-60E94C6E9F44}" type="datetimeFigureOut">
               <a:rPr lang="sr-Latn-RS" smtClean="0"/>
-              <a:t>13.3.2018.</a:t>
+              <a:t>15.3.2018.</a:t>
             </a:fld>
             <a:endParaRPr lang="sr-Latn-RS"/>
           </a:p>
@@ -5180,7 +5232,7 @@
           <a:p>
             <a:fld id="{B35B300D-7DF5-4E96-8AA6-60E94C6E9F44}" type="datetimeFigureOut">
               <a:rPr lang="sr-Latn-RS" smtClean="0"/>
-              <a:t>13.3.2018.</a:t>
+              <a:t>15.3.2018.</a:t>
             </a:fld>
             <a:endParaRPr lang="sr-Latn-RS"/>
           </a:p>
@@ -7099,7 +7151,7 @@
           <a:p>
             <a:fld id="{B35B300D-7DF5-4E96-8AA6-60E94C6E9F44}" type="datetimeFigureOut">
               <a:rPr lang="sr-Latn-RS" smtClean="0"/>
-              <a:t>13.3.2018.</a:t>
+              <a:t>15.3.2018.</a:t>
             </a:fld>
             <a:endParaRPr lang="sr-Latn-RS"/>
           </a:p>
@@ -7533,15 +7585,7 @@
             </a:br>
             <a:r>
               <a:rPr lang="en-US" b="1" smtClean="0"/>
-              <a:t>17 </a:t>
-            </a:r>
-            <a:r>
-              <a:rPr lang="en-US" b="1" smtClean="0"/>
-              <a:t>– </a:t>
-            </a:r>
-            <a:r>
-              <a:rPr lang="en-US" b="1" smtClean="0"/>
-              <a:t>19.03.2018</a:t>
+              <a:t>17 – 19.03.2018</a:t>
             </a:r>
             <a:endParaRPr lang="en-US"/>
           </a:p>
@@ -7670,7 +7714,7 @@
           <p:nvPr>
             <p:extLst>
               <p:ext uri="{D42A27DB-BD31-4B8C-83A1-F6EECF244321}">
-                <p14:modId xmlns:p14="http://schemas.microsoft.com/office/powerpoint/2010/main" val="571710413"/>
+                <p14:modId xmlns:p14="http://schemas.microsoft.com/office/powerpoint/2010/main" val="736068015"/>
               </p:ext>
             </p:extLst>
           </p:nvPr>

--- a/sesija-17/PPT/Front-End Developer-17.pptx
+++ b/sesija-17/PPT/Front-End Developer-17.pptx
@@ -6,13 +6,22 @@
     <p:sldMasterId id="2147483676" r:id="rId2"/>
   </p:sldMasterIdLst>
   <p:notesMasterIdLst>
-    <p:notesMasterId r:id="rId7"/>
+    <p:notesMasterId r:id="rId16"/>
   </p:notesMasterIdLst>
   <p:sldIdLst>
     <p:sldId id="256" r:id="rId3"/>
     <p:sldId id="257" r:id="rId4"/>
     <p:sldId id="258" r:id="rId5"/>
     <p:sldId id="263" r:id="rId6"/>
+    <p:sldId id="264" r:id="rId7"/>
+    <p:sldId id="265" r:id="rId8"/>
+    <p:sldId id="268" r:id="rId9"/>
+    <p:sldId id="269" r:id="rId10"/>
+    <p:sldId id="270" r:id="rId11"/>
+    <p:sldId id="267" r:id="rId12"/>
+    <p:sldId id="266" r:id="rId13"/>
+    <p:sldId id="271" r:id="rId14"/>
+    <p:sldId id="272" r:id="rId15"/>
   </p:sldIdLst>
   <p:sldSz cx="12192000" cy="6858000"/>
   <p:notesSz cx="6858000" cy="9144000"/>
@@ -120,6 +129,15 @@
             <p14:sldId id="257"/>
             <p14:sldId id="258"/>
             <p14:sldId id="263"/>
+            <p14:sldId id="264"/>
+            <p14:sldId id="265"/>
+            <p14:sldId id="268"/>
+            <p14:sldId id="269"/>
+            <p14:sldId id="270"/>
+            <p14:sldId id="267"/>
+            <p14:sldId id="266"/>
+            <p14:sldId id="271"/>
+            <p14:sldId id="272"/>
           </p14:sldIdLst>
         </p14:section>
       </p14:sectionLst>
@@ -941,7 +959,7 @@
         <a:p>
           <a:r>
             <a:rPr lang="en-US" smtClean="0"/>
-            <a:t>Ajax – XmlHttpRequst</a:t>
+            <a:t>DOM Events</a:t>
           </a:r>
           <a:endParaRPr lang="en-US"/>
         </a:p>
@@ -950,10 +968,24 @@
     <dgm:pt modelId="{F89418B0-7D47-48D3-A0DD-7DC00E292A1E}" type="parTrans" cxnId="{C78D7D1E-4353-489A-8F01-856C716DDAA5}">
       <dgm:prSet/>
       <dgm:spPr/>
+      <dgm:t>
+        <a:bodyPr/>
+        <a:lstStyle/>
+        <a:p>
+          <a:endParaRPr lang="en-US"/>
+        </a:p>
+      </dgm:t>
     </dgm:pt>
     <dgm:pt modelId="{B8A6BCFB-F597-4971-BF20-6B7B52347AE9}" type="sibTrans" cxnId="{C78D7D1E-4353-489A-8F01-856C716DDAA5}">
       <dgm:prSet/>
       <dgm:spPr/>
+      <dgm:t>
+        <a:bodyPr/>
+        <a:lstStyle/>
+        <a:p>
+          <a:endParaRPr lang="en-US"/>
+        </a:p>
+      </dgm:t>
     </dgm:pt>
     <dgm:pt modelId="{8554CDFF-112D-4801-84C0-38349979228F}">
       <dgm:prSet phldrT="[Text]"/>
@@ -964,7 +996,7 @@
         <a:p>
           <a:r>
             <a:rPr lang="en-US" smtClean="0"/>
-            <a:t>Movie search app</a:t>
+            <a:t>DOM manipulation</a:t>
           </a:r>
           <a:endParaRPr lang="en-US"/>
         </a:p>
@@ -973,8 +1005,45 @@
     <dgm:pt modelId="{E0B7AF53-6CA9-4081-B721-BCE26F759696}" type="parTrans" cxnId="{8CCB7689-5E05-4CD7-83AD-C321DFB067CA}">
       <dgm:prSet/>
       <dgm:spPr/>
+      <dgm:t>
+        <a:bodyPr/>
+        <a:lstStyle/>
+        <a:p>
+          <a:endParaRPr lang="en-US"/>
+        </a:p>
+      </dgm:t>
     </dgm:pt>
     <dgm:pt modelId="{5A032C55-CAF2-4B95-AF9B-C6C4D17A1423}" type="sibTrans" cxnId="{8CCB7689-5E05-4CD7-83AD-C321DFB067CA}">
+      <dgm:prSet/>
+      <dgm:spPr/>
+      <dgm:t>
+        <a:bodyPr/>
+        <a:lstStyle/>
+        <a:p>
+          <a:endParaRPr lang="en-US"/>
+        </a:p>
+      </dgm:t>
+    </dgm:pt>
+    <dgm:pt modelId="{E05CC0C1-A22B-4515-8196-B0227D78A471}">
+      <dgm:prSet phldrT="[Text]"/>
+      <dgm:spPr/>
+      <dgm:t>
+        <a:bodyPr/>
+        <a:lstStyle/>
+        <a:p>
+          <a:r>
+            <a:rPr lang="en-US" smtClean="0"/>
+            <a:t>HTML tables</a:t>
+          </a:r>
+          <a:endParaRPr lang="en-US"/>
+        </a:p>
+      </dgm:t>
+    </dgm:pt>
+    <dgm:pt modelId="{9C52C149-BC91-49E0-92B8-81E744BFF969}" type="parTrans" cxnId="{65E1D068-1EED-4708-B9B1-52E3F8E6B882}">
+      <dgm:prSet/>
+      <dgm:spPr/>
+    </dgm:pt>
+    <dgm:pt modelId="{28A5AE6B-C8BD-4B1F-812D-31679C0F88AE}" type="sibTrans" cxnId="{65E1D068-1EED-4708-B9B1-52E3F8E6B882}">
       <dgm:prSet/>
       <dgm:spPr/>
     </dgm:pt>
@@ -1030,7 +1099,9 @@
     <dgm:cxn modelId="{C5A8E9B4-A897-4242-BCB6-414B02FAC18D}" type="presOf" srcId="{7BA3726F-3900-4FC3-8B1E-5B513F942281}" destId="{AADBD8E6-695F-4FE3-9A02-D807BC812A7C}" srcOrd="0" destOrd="0" presId="urn:microsoft.com/office/officeart/2005/8/layout/vList2"/>
     <dgm:cxn modelId="{8CCB7689-5E05-4CD7-83AD-C321DFB067CA}" srcId="{01EB205F-FC18-44EF-B4D7-07083A382D6D}" destId="{8554CDFF-112D-4801-84C0-38349979228F}" srcOrd="1" destOrd="0" parTransId="{E0B7AF53-6CA9-4081-B721-BCE26F759696}" sibTransId="{5A032C55-CAF2-4B95-AF9B-C6C4D17A1423}"/>
     <dgm:cxn modelId="{FB3F133B-D980-4586-8A93-14087C2AFDB7}" type="presOf" srcId="{01EB205F-FC18-44EF-B4D7-07083A382D6D}" destId="{F4D94EE2-DE87-41D3-8995-9FDA4ED2D4BE}" srcOrd="0" destOrd="0" presId="urn:microsoft.com/office/officeart/2005/8/layout/vList2"/>
+    <dgm:cxn modelId="{6663264A-A9BB-4532-A888-75A7FBD69E31}" type="presOf" srcId="{E05CC0C1-A22B-4515-8196-B0227D78A471}" destId="{AADBD8E6-695F-4FE3-9A02-D807BC812A7C}" srcOrd="0" destOrd="2" presId="urn:microsoft.com/office/officeart/2005/8/layout/vList2"/>
     <dgm:cxn modelId="{C78D7D1E-4353-489A-8F01-856C716DDAA5}" srcId="{01EB205F-FC18-44EF-B4D7-07083A382D6D}" destId="{7BA3726F-3900-4FC3-8B1E-5B513F942281}" srcOrd="0" destOrd="0" parTransId="{F89418B0-7D47-48D3-A0DD-7DC00E292A1E}" sibTransId="{B8A6BCFB-F597-4971-BF20-6B7B52347AE9}"/>
+    <dgm:cxn modelId="{65E1D068-1EED-4708-B9B1-52E3F8E6B882}" srcId="{01EB205F-FC18-44EF-B4D7-07083A382D6D}" destId="{E05CC0C1-A22B-4515-8196-B0227D78A471}" srcOrd="2" destOrd="0" parTransId="{9C52C149-BC91-49E0-92B8-81E744BFF969}" sibTransId="{28A5AE6B-C8BD-4B1F-812D-31679C0F88AE}"/>
     <dgm:cxn modelId="{554D4833-0D13-4D4C-92BF-76D83AECFDE6}" srcId="{4EE1351B-4B79-4D48-8F5E-455F7AD945A8}" destId="{01EB205F-FC18-44EF-B4D7-07083A382D6D}" srcOrd="0" destOrd="0" parTransId="{D4C6F2B3-566C-488E-AC05-F7BDFB6B7331}" sibTransId="{2BF717F9-FCD3-4CE3-A0A5-83D104AFB328}"/>
     <dgm:cxn modelId="{CF36F2AB-6CB3-4081-A923-38267DE610B8}" type="presOf" srcId="{8554CDFF-112D-4801-84C0-38349979228F}" destId="{AADBD8E6-695F-4FE3-9A02-D807BC812A7C}" srcOrd="0" destOrd="1" presId="urn:microsoft.com/office/officeart/2005/8/layout/vList2"/>
     <dgm:cxn modelId="{9ADF0326-01FB-4790-B759-ACDFB0217796}" type="presOf" srcId="{4EE1351B-4B79-4D48-8F5E-455F7AD945A8}" destId="{AEABCDDF-3180-4C76-A7CB-FC0B6AF0719A}" srcOrd="0" destOrd="0" presId="urn:microsoft.com/office/officeart/2005/8/layout/vList2"/>
@@ -1062,7 +1133,7 @@
       </dsp:nvSpPr>
       <dsp:spPr>
         <a:xfrm>
-          <a:off x="0" y="1245610"/>
+          <a:off x="0" y="841960"/>
           <a:ext cx="8298873" cy="1521000"/>
         </a:xfrm>
         <a:prstGeom prst="roundRect">
@@ -1128,7 +1199,7 @@
         </a:p>
       </dsp:txBody>
       <dsp:txXfrm>
-        <a:off x="74249" y="1319859"/>
+        <a:off x="74249" y="916209"/>
         <a:ext cx="8150375" cy="1372502"/>
       </dsp:txXfrm>
     </dsp:sp>
@@ -1139,8 +1210,8 @@
       </dsp:nvSpPr>
       <dsp:spPr>
         <a:xfrm>
-          <a:off x="0" y="2766610"/>
-          <a:ext cx="8298873" cy="1681875"/>
+          <a:off x="0" y="2362960"/>
+          <a:ext cx="8298873" cy="2489175"/>
         </a:xfrm>
         <a:prstGeom prst="rect">
           <a:avLst/>
@@ -1183,7 +1254,7 @@
           </a:pPr>
           <a:r>
             <a:rPr lang="en-US" sz="5100" kern="1200" smtClean="0"/>
-            <a:t>Ajax – XmlHttpRequst</a:t>
+            <a:t>DOM Events</a:t>
           </a:r>
           <a:endParaRPr lang="en-US" sz="5100" kern="1200"/>
         </a:p>
@@ -1202,14 +1273,33 @@
           </a:pPr>
           <a:r>
             <a:rPr lang="en-US" sz="5100" kern="1200" smtClean="0"/>
-            <a:t>Movie search app</a:t>
+            <a:t>DOM manipulation</a:t>
+          </a:r>
+          <a:endParaRPr lang="en-US" sz="5100" kern="1200"/>
+        </a:p>
+        <a:p>
+          <a:pPr marL="285750" lvl="1" indent="-285750" algn="l" defTabSz="2266950">
+            <a:lnSpc>
+              <a:spcPct val="90000"/>
+            </a:lnSpc>
+            <a:spcBef>
+              <a:spcPct val="0"/>
+            </a:spcBef>
+            <a:spcAft>
+              <a:spcPct val="20000"/>
+            </a:spcAft>
+            <a:buChar char="••"/>
+          </a:pPr>
+          <a:r>
+            <a:rPr lang="en-US" sz="5100" kern="1200" smtClean="0"/>
+            <a:t>HTML tables</a:t>
           </a:r>
           <a:endParaRPr lang="en-US" sz="5100" kern="1200"/>
         </a:p>
       </dsp:txBody>
       <dsp:txXfrm>
-        <a:off x="0" y="2766610"/>
-        <a:ext cx="8298873" cy="1681875"/>
+        <a:off x="0" y="2362960"/>
+        <a:ext cx="8298873" cy="2489175"/>
       </dsp:txXfrm>
     </dsp:sp>
   </dsp:spTree>
@@ -2499,7 +2589,7 @@
           <a:p>
             <a:fld id="{D32AC403-8EB1-4D4E-8C3A-24BD19820531}" type="datetimeFigureOut">
               <a:rPr lang="en-US" smtClean="0"/>
-              <a:t>15-Mar-18</a:t>
+              <a:t>19-Mar-18</a:t>
             </a:fld>
             <a:endParaRPr lang="en-US"/>
           </a:p>
@@ -3245,7 +3335,7 @@
           <a:p>
             <a:fld id="{B35B300D-7DF5-4E96-8AA6-60E94C6E9F44}" type="datetimeFigureOut">
               <a:rPr lang="sr-Latn-RS" smtClean="0"/>
-              <a:t>15.3.2018.</a:t>
+              <a:t>19.3.2018.</a:t>
             </a:fld>
             <a:endParaRPr lang="sr-Latn-RS"/>
           </a:p>
@@ -3679,7 +3769,7 @@
           <a:p>
             <a:fld id="{B35B300D-7DF5-4E96-8AA6-60E94C6E9F44}" type="datetimeFigureOut">
               <a:rPr lang="sr-Latn-RS" smtClean="0"/>
-              <a:t>15.3.2018.</a:t>
+              <a:t>19.3.2018.</a:t>
             </a:fld>
             <a:endParaRPr lang="sr-Latn-RS"/>
           </a:p>
@@ -4053,7 +4143,7 @@
           <a:p>
             <a:fld id="{B35B300D-7DF5-4E96-8AA6-60E94C6E9F44}" type="datetimeFigureOut">
               <a:rPr lang="sr-Latn-RS" smtClean="0"/>
-              <a:t>15.3.2018.</a:t>
+              <a:t>19.3.2018.</a:t>
             </a:fld>
             <a:endParaRPr lang="sr-Latn-RS"/>
           </a:p>
@@ -4337,7 +4427,7 @@
           <a:p>
             <a:fld id="{B35B300D-7DF5-4E96-8AA6-60E94C6E9F44}" type="datetimeFigureOut">
               <a:rPr lang="sr-Latn-RS" smtClean="0"/>
-              <a:t>15.3.2018.</a:t>
+              <a:t>19.3.2018.</a:t>
             </a:fld>
             <a:endParaRPr lang="sr-Latn-RS"/>
           </a:p>
@@ -4514,7 +4604,7 @@
           <a:p>
             <a:fld id="{B35B300D-7DF5-4E96-8AA6-60E94C6E9F44}" type="datetimeFigureOut">
               <a:rPr lang="sr-Latn-RS" smtClean="0"/>
-              <a:t>15.3.2018.</a:t>
+              <a:t>19.3.2018.</a:t>
             </a:fld>
             <a:endParaRPr lang="sr-Latn-RS"/>
           </a:p>
@@ -4701,7 +4791,7 @@
           <a:p>
             <a:fld id="{B35B300D-7DF5-4E96-8AA6-60E94C6E9F44}" type="datetimeFigureOut">
               <a:rPr lang="sr-Latn-RS" smtClean="0"/>
-              <a:t>15.3.2018.</a:t>
+              <a:t>19.3.2018.</a:t>
             </a:fld>
             <a:endParaRPr lang="sr-Latn-RS"/>
           </a:p>
@@ -4948,7 +5038,7 @@
           <a:p>
             <a:fld id="{B35B300D-7DF5-4E96-8AA6-60E94C6E9F44}" type="datetimeFigureOut">
               <a:rPr lang="sr-Latn-RS" smtClean="0"/>
-              <a:t>15.3.2018.</a:t>
+              <a:t>19.3.2018.</a:t>
             </a:fld>
             <a:endParaRPr lang="sr-Latn-RS"/>
           </a:p>
@@ -5232,7 +5322,7 @@
           <a:p>
             <a:fld id="{B35B300D-7DF5-4E96-8AA6-60E94C6E9F44}" type="datetimeFigureOut">
               <a:rPr lang="sr-Latn-RS" smtClean="0"/>
-              <a:t>15.3.2018.</a:t>
+              <a:t>19.3.2018.</a:t>
             </a:fld>
             <a:endParaRPr lang="sr-Latn-RS"/>
           </a:p>
@@ -7151,7 +7241,7 @@
           <a:p>
             <a:fld id="{B35B300D-7DF5-4E96-8AA6-60E94C6E9F44}" type="datetimeFigureOut">
               <a:rPr lang="sr-Latn-RS" smtClean="0"/>
-              <a:t>15.3.2018.</a:t>
+              <a:t>19.3.2018.</a:t>
             </a:fld>
             <a:endParaRPr lang="sr-Latn-RS"/>
           </a:p>
@@ -7634,6 +7724,395 @@
 </p:sld>
 </file>
 
+<file path=ppt/slides/slide10.xml><?xml version="1.0" encoding="utf-8"?>
+<p:sld xmlns:a="http://schemas.openxmlformats.org/drawingml/2006/main" xmlns:r="http://schemas.openxmlformats.org/officeDocument/2006/relationships" xmlns:p="http://schemas.openxmlformats.org/presentationml/2006/main">
+  <p:cSld>
+    <p:spTree>
+      <p:nvGrpSpPr>
+        <p:cNvPr id="1" name=""/>
+        <p:cNvGrpSpPr/>
+        <p:nvPr/>
+      </p:nvGrpSpPr>
+      <p:grpSpPr>
+        <a:xfrm>
+          <a:off x="0" y="0"/>
+          <a:ext cx="0" cy="0"/>
+          <a:chOff x="0" y="0"/>
+          <a:chExt cx="0" cy="0"/>
+        </a:xfrm>
+      </p:grpSpPr>
+      <p:sp>
+        <p:nvSpPr>
+          <p:cNvPr id="2" name="Title 1"/>
+          <p:cNvSpPr>
+            <a:spLocks noGrp="1"/>
+          </p:cNvSpPr>
+          <p:nvPr>
+            <p:ph type="title"/>
+          </p:nvPr>
+        </p:nvSpPr>
+        <p:spPr/>
+        <p:txBody>
+          <a:bodyPr/>
+          <a:lstStyle/>
+          <a:p>
+            <a:r>
+              <a:rPr lang="en-US" smtClean="0"/>
+              <a:t>Primer – prosli zadatak za domaci </a:t>
+            </a:r>
+            <a:endParaRPr lang="sr-Latn-RS"/>
+          </a:p>
+        </p:txBody>
+      </p:sp>
+      <p:sp>
+        <p:nvSpPr>
+          <p:cNvPr id="3" name="Content Placeholder 2"/>
+          <p:cNvSpPr>
+            <a:spLocks noGrp="1"/>
+          </p:cNvSpPr>
+          <p:nvPr>
+            <p:ph sz="half" idx="1"/>
+          </p:nvPr>
+        </p:nvSpPr>
+        <p:spPr/>
+        <p:txBody>
+          <a:bodyPr/>
+          <a:lstStyle/>
+          <a:p>
+            <a:r>
+              <a:rPr lang="sr-Latn-RS"/>
+              <a:t>createElement</a:t>
+            </a:r>
+          </a:p>
+          <a:p>
+            <a:endParaRPr lang="sr-Latn-RS"/>
+          </a:p>
+        </p:txBody>
+      </p:sp>
+      <p:sp>
+        <p:nvSpPr>
+          <p:cNvPr id="4" name="Content Placeholder 3"/>
+          <p:cNvSpPr>
+            <a:spLocks noGrp="1"/>
+          </p:cNvSpPr>
+          <p:nvPr>
+            <p:ph sz="half" idx="2"/>
+          </p:nvPr>
+        </p:nvSpPr>
+        <p:spPr/>
+        <p:txBody>
+          <a:bodyPr/>
+          <a:lstStyle/>
+          <a:p>
+            <a:r>
+              <a:rPr lang="sr-Latn-RS"/>
+              <a:t>appendChild</a:t>
+            </a:r>
+          </a:p>
+          <a:p>
+            <a:endParaRPr lang="sr-Latn-RS"/>
+          </a:p>
+        </p:txBody>
+      </p:sp>
+    </p:spTree>
+    <p:extLst>
+      <p:ext uri="{BB962C8B-B14F-4D97-AF65-F5344CB8AC3E}">
+        <p14:creationId xmlns:p14="http://schemas.microsoft.com/office/powerpoint/2010/main" val="414167183"/>
+      </p:ext>
+    </p:extLst>
+  </p:cSld>
+  <p:clrMapOvr>
+    <a:masterClrMapping/>
+  </p:clrMapOvr>
+</p:sld>
+</file>
+
+<file path=ppt/slides/slide11.xml><?xml version="1.0" encoding="utf-8"?>
+<p:sld xmlns:a="http://schemas.openxmlformats.org/drawingml/2006/main" xmlns:r="http://schemas.openxmlformats.org/officeDocument/2006/relationships" xmlns:p="http://schemas.openxmlformats.org/presentationml/2006/main">
+  <p:cSld>
+    <p:spTree>
+      <p:nvGrpSpPr>
+        <p:cNvPr id="1" name=""/>
+        <p:cNvGrpSpPr/>
+        <p:nvPr/>
+      </p:nvGrpSpPr>
+      <p:grpSpPr>
+        <a:xfrm>
+          <a:off x="0" y="0"/>
+          <a:ext cx="0" cy="0"/>
+          <a:chOff x="0" y="0"/>
+          <a:chExt cx="0" cy="0"/>
+        </a:xfrm>
+      </p:grpSpPr>
+      <p:sp>
+        <p:nvSpPr>
+          <p:cNvPr id="2" name="Title 1"/>
+          <p:cNvSpPr>
+            <a:spLocks noGrp="1"/>
+          </p:cNvSpPr>
+          <p:nvPr>
+            <p:ph type="title"/>
+          </p:nvPr>
+        </p:nvSpPr>
+        <p:spPr/>
+        <p:txBody>
+          <a:bodyPr/>
+          <a:lstStyle/>
+          <a:p>
+            <a:r>
+              <a:rPr lang="en-US" smtClean="0"/>
+              <a:t>HTML Tables</a:t>
+            </a:r>
+            <a:endParaRPr lang="sr-Latn-RS"/>
+          </a:p>
+        </p:txBody>
+      </p:sp>
+      <p:pic>
+        <p:nvPicPr>
+          <p:cNvPr id="6" name="Content Placeholder 5"/>
+          <p:cNvPicPr>
+            <a:picLocks noGrp="1" noChangeAspect="1"/>
+          </p:cNvPicPr>
+          <p:nvPr>
+            <p:ph sz="half" idx="1"/>
+          </p:nvPr>
+        </p:nvPicPr>
+        <p:blipFill>
+          <a:blip r:embed="rId2"/>
+          <a:stretch>
+            <a:fillRect/>
+          </a:stretch>
+        </p:blipFill>
+        <p:spPr>
+          <a:xfrm>
+            <a:off x="1206454" y="3804865"/>
+            <a:ext cx="3962953" cy="2105319"/>
+          </a:xfrm>
+          <a:prstGeom prst="rect">
+            <a:avLst/>
+          </a:prstGeom>
+        </p:spPr>
+      </p:pic>
+      <p:pic>
+        <p:nvPicPr>
+          <p:cNvPr id="7" name="Content Placeholder 6"/>
+          <p:cNvPicPr>
+            <a:picLocks noGrp="1" noChangeAspect="1"/>
+          </p:cNvPicPr>
+          <p:nvPr>
+            <p:ph sz="half" idx="2"/>
+          </p:nvPr>
+        </p:nvPicPr>
+        <p:blipFill>
+          <a:blip r:embed="rId3"/>
+          <a:stretch>
+            <a:fillRect/>
+          </a:stretch>
+        </p:blipFill>
+        <p:spPr>
+          <a:xfrm>
+            <a:off x="5972694" y="3906175"/>
+            <a:ext cx="5181600" cy="2004009"/>
+          </a:xfrm>
+          <a:prstGeom prst="rect">
+            <a:avLst/>
+          </a:prstGeom>
+        </p:spPr>
+      </p:pic>
+      <p:pic>
+        <p:nvPicPr>
+          <p:cNvPr id="5" name="Picture 4"/>
+          <p:cNvPicPr>
+            <a:picLocks noChangeAspect="1"/>
+          </p:cNvPicPr>
+          <p:nvPr/>
+        </p:nvPicPr>
+        <p:blipFill>
+          <a:blip r:embed="rId4"/>
+          <a:stretch>
+            <a:fillRect/>
+          </a:stretch>
+        </p:blipFill>
+        <p:spPr>
+          <a:xfrm>
+            <a:off x="838200" y="1681895"/>
+            <a:ext cx="7878274" cy="1914792"/>
+          </a:xfrm>
+          <a:prstGeom prst="rect">
+            <a:avLst/>
+          </a:prstGeom>
+        </p:spPr>
+      </p:pic>
+    </p:spTree>
+    <p:extLst>
+      <p:ext uri="{BB962C8B-B14F-4D97-AF65-F5344CB8AC3E}">
+        <p14:creationId xmlns:p14="http://schemas.microsoft.com/office/powerpoint/2010/main" val="1468442163"/>
+      </p:ext>
+    </p:extLst>
+  </p:cSld>
+  <p:clrMapOvr>
+    <a:masterClrMapping/>
+  </p:clrMapOvr>
+</p:sld>
+</file>
+
+<file path=ppt/slides/slide12.xml><?xml version="1.0" encoding="utf-8"?>
+<p:sld xmlns:a="http://schemas.openxmlformats.org/drawingml/2006/main" xmlns:r="http://schemas.openxmlformats.org/officeDocument/2006/relationships" xmlns:p="http://schemas.openxmlformats.org/presentationml/2006/main">
+  <p:cSld>
+    <p:spTree>
+      <p:nvGrpSpPr>
+        <p:cNvPr id="1" name=""/>
+        <p:cNvGrpSpPr/>
+        <p:nvPr/>
+      </p:nvGrpSpPr>
+      <p:grpSpPr>
+        <a:xfrm>
+          <a:off x="0" y="0"/>
+          <a:ext cx="0" cy="0"/>
+          <a:chOff x="0" y="0"/>
+          <a:chExt cx="0" cy="0"/>
+        </a:xfrm>
+      </p:grpSpPr>
+      <p:pic>
+        <p:nvPicPr>
+          <p:cNvPr id="5" name="Picture 4"/>
+          <p:cNvPicPr>
+            <a:picLocks noChangeAspect="1"/>
+          </p:cNvPicPr>
+          <p:nvPr/>
+        </p:nvPicPr>
+        <p:blipFill>
+          <a:blip r:embed="rId2"/>
+          <a:stretch>
+            <a:fillRect/>
+          </a:stretch>
+        </p:blipFill>
+        <p:spPr>
+          <a:xfrm>
+            <a:off x="2073371" y="108892"/>
+            <a:ext cx="7153757" cy="5948913"/>
+          </a:xfrm>
+          <a:prstGeom prst="rect">
+            <a:avLst/>
+          </a:prstGeom>
+        </p:spPr>
+      </p:pic>
+    </p:spTree>
+    <p:extLst>
+      <p:ext uri="{BB962C8B-B14F-4D97-AF65-F5344CB8AC3E}">
+        <p14:creationId xmlns:p14="http://schemas.microsoft.com/office/powerpoint/2010/main" val="194322869"/>
+      </p:ext>
+    </p:extLst>
+  </p:cSld>
+  <p:clrMapOvr>
+    <a:masterClrMapping/>
+  </p:clrMapOvr>
+</p:sld>
+</file>
+
+<file path=ppt/slides/slide13.xml><?xml version="1.0" encoding="utf-8"?>
+<p:sld xmlns:a="http://schemas.openxmlformats.org/drawingml/2006/main" xmlns:r="http://schemas.openxmlformats.org/officeDocument/2006/relationships" xmlns:p="http://schemas.openxmlformats.org/presentationml/2006/main">
+  <p:cSld>
+    <p:spTree>
+      <p:nvGrpSpPr>
+        <p:cNvPr id="1" name=""/>
+        <p:cNvGrpSpPr/>
+        <p:nvPr/>
+      </p:nvGrpSpPr>
+      <p:grpSpPr>
+        <a:xfrm>
+          <a:off x="0" y="0"/>
+          <a:ext cx="0" cy="0"/>
+          <a:chOff x="0" y="0"/>
+          <a:chExt cx="0" cy="0"/>
+        </a:xfrm>
+      </p:grpSpPr>
+      <p:sp>
+        <p:nvSpPr>
+          <p:cNvPr id="2" name="Title 1"/>
+          <p:cNvSpPr>
+            <a:spLocks noGrp="1"/>
+          </p:cNvSpPr>
+          <p:nvPr>
+            <p:ph type="title"/>
+          </p:nvPr>
+        </p:nvSpPr>
+        <p:spPr/>
+        <p:txBody>
+          <a:bodyPr/>
+          <a:lstStyle/>
+          <a:p>
+            <a:r>
+              <a:rPr lang="en-US" smtClean="0"/>
+              <a:t>Codding challenges</a:t>
+            </a:r>
+            <a:endParaRPr lang="sr-Latn-RS"/>
+          </a:p>
+        </p:txBody>
+      </p:sp>
+      <p:pic>
+        <p:nvPicPr>
+          <p:cNvPr id="5" name="Content Placeholder 4"/>
+          <p:cNvPicPr>
+            <a:picLocks noGrp="1" noChangeAspect="1"/>
+          </p:cNvPicPr>
+          <p:nvPr>
+            <p:ph sz="half" idx="1"/>
+          </p:nvPr>
+        </p:nvPicPr>
+        <p:blipFill>
+          <a:blip r:embed="rId2"/>
+          <a:stretch>
+            <a:fillRect/>
+          </a:stretch>
+        </p:blipFill>
+        <p:spPr>
+          <a:xfrm>
+            <a:off x="6776645" y="3204113"/>
+            <a:ext cx="5608440" cy="1213110"/>
+          </a:xfrm>
+          <a:prstGeom prst="rect">
+            <a:avLst/>
+          </a:prstGeom>
+        </p:spPr>
+      </p:pic>
+      <p:pic>
+        <p:nvPicPr>
+          <p:cNvPr id="6" name="Picture 5"/>
+          <p:cNvPicPr>
+            <a:picLocks noChangeAspect="1"/>
+          </p:cNvPicPr>
+          <p:nvPr/>
+        </p:nvPicPr>
+        <p:blipFill>
+          <a:blip r:embed="rId3"/>
+          <a:stretch>
+            <a:fillRect/>
+          </a:stretch>
+        </p:blipFill>
+        <p:spPr>
+          <a:xfrm>
+            <a:off x="404832" y="1173167"/>
+            <a:ext cx="6371813" cy="4710282"/>
+          </a:xfrm>
+          <a:prstGeom prst="rect">
+            <a:avLst/>
+          </a:prstGeom>
+        </p:spPr>
+      </p:pic>
+    </p:spTree>
+    <p:extLst>
+      <p:ext uri="{BB962C8B-B14F-4D97-AF65-F5344CB8AC3E}">
+        <p14:creationId xmlns:p14="http://schemas.microsoft.com/office/powerpoint/2010/main" val="1229996176"/>
+      </p:ext>
+    </p:extLst>
+  </p:cSld>
+  <p:clrMapOvr>
+    <a:masterClrMapping/>
+  </p:clrMapOvr>
+</p:sld>
+</file>
+
 <file path=ppt/slides/slide2.xml><?xml version="1.0" encoding="utf-8"?>
 <p:sld xmlns:a="http://schemas.openxmlformats.org/drawingml/2006/main" xmlns:r="http://schemas.openxmlformats.org/officeDocument/2006/relationships" xmlns:p="http://schemas.openxmlformats.org/presentationml/2006/main">
   <p:cSld>
@@ -7714,7 +8193,7 @@
           <p:nvPr>
             <p:extLst>
               <p:ext uri="{D42A27DB-BD31-4B8C-83A1-F6EECF244321}">
-                <p14:modId xmlns:p14="http://schemas.microsoft.com/office/powerpoint/2010/main" val="736068015"/>
+                <p14:modId xmlns:p14="http://schemas.microsoft.com/office/powerpoint/2010/main" val="4099344309"/>
               </p:ext>
             </p:extLst>
           </p:nvPr>
@@ -7839,7 +8318,17 @@
           <a:lstStyle/>
           <a:p>
             <a:pPr lvl="1"/>
-            <a:endParaRPr lang="en-US" smtClean="0"/>
+            <a:r>
+              <a:rPr lang="en-US" smtClean="0"/>
+              <a:t>Shuffle – dva nacina</a:t>
+            </a:r>
+          </a:p>
+          <a:p>
+            <a:pPr lvl="1"/>
+            <a:r>
+              <a:rPr lang="en-US" smtClean="0"/>
+              <a:t>Clocures</a:t>
+            </a:r>
           </a:p>
         </p:txBody>
       </p:sp>
@@ -7950,7 +8439,7 @@
             <a:pPr lvl="0"/>
             <a:r>
               <a:rPr lang="en-US" sz="4000" smtClean="0"/>
-              <a:t>text</a:t>
+              <a:t>DOM</a:t>
             </a:r>
             <a:endParaRPr lang="en-US" sz="4000"/>
           </a:p>
@@ -7973,6 +8462,404 @@
       </p:par>
     </p:tnLst>
   </p:timing>
+</p:sld>
+</file>
+
+<file path=ppt/slides/slide5.xml><?xml version="1.0" encoding="utf-8"?>
+<p:sld xmlns:a="http://schemas.openxmlformats.org/drawingml/2006/main" xmlns:r="http://schemas.openxmlformats.org/officeDocument/2006/relationships" xmlns:p="http://schemas.openxmlformats.org/presentationml/2006/main">
+  <p:cSld>
+    <p:spTree>
+      <p:nvGrpSpPr>
+        <p:cNvPr id="1" name=""/>
+        <p:cNvGrpSpPr/>
+        <p:nvPr/>
+      </p:nvGrpSpPr>
+      <p:grpSpPr>
+        <a:xfrm>
+          <a:off x="0" y="0"/>
+          <a:ext cx="0" cy="0"/>
+          <a:chOff x="0" y="0"/>
+          <a:chExt cx="0" cy="0"/>
+        </a:xfrm>
+      </p:grpSpPr>
+      <p:pic>
+        <p:nvPicPr>
+          <p:cNvPr id="6" name="Content Placeholder 5"/>
+          <p:cNvPicPr>
+            <a:picLocks noGrp="1" noChangeAspect="1"/>
+          </p:cNvPicPr>
+          <p:nvPr>
+            <p:ph sz="half" idx="1"/>
+          </p:nvPr>
+        </p:nvPicPr>
+        <p:blipFill>
+          <a:blip r:embed="rId2"/>
+          <a:stretch>
+            <a:fillRect/>
+          </a:stretch>
+        </p:blipFill>
+        <p:spPr>
+          <a:xfrm>
+            <a:off x="917013" y="1576243"/>
+            <a:ext cx="4624964" cy="4351338"/>
+          </a:xfrm>
+          <a:prstGeom prst="rect">
+            <a:avLst/>
+          </a:prstGeom>
+        </p:spPr>
+      </p:pic>
+      <p:pic>
+        <p:nvPicPr>
+          <p:cNvPr id="7" name="Content Placeholder 6"/>
+          <p:cNvPicPr>
+            <a:picLocks noGrp="1" noChangeAspect="1"/>
+          </p:cNvPicPr>
+          <p:nvPr>
+            <p:ph sz="half" idx="2"/>
+          </p:nvPr>
+        </p:nvPicPr>
+        <p:blipFill>
+          <a:blip r:embed="rId3"/>
+          <a:stretch>
+            <a:fillRect/>
+          </a:stretch>
+        </p:blipFill>
+        <p:spPr>
+          <a:xfrm>
+            <a:off x="6095700" y="1576243"/>
+            <a:ext cx="5122685" cy="4351338"/>
+          </a:xfrm>
+          <a:prstGeom prst="rect">
+            <a:avLst/>
+          </a:prstGeom>
+        </p:spPr>
+      </p:pic>
+      <p:pic>
+        <p:nvPicPr>
+          <p:cNvPr id="8" name="Picture 7"/>
+          <p:cNvPicPr>
+            <a:picLocks noChangeAspect="1"/>
+          </p:cNvPicPr>
+          <p:nvPr/>
+        </p:nvPicPr>
+        <p:blipFill>
+          <a:blip r:embed="rId4"/>
+          <a:stretch>
+            <a:fillRect/>
+          </a:stretch>
+        </p:blipFill>
+        <p:spPr>
+          <a:xfrm>
+            <a:off x="0" y="0"/>
+            <a:ext cx="7249537" cy="933580"/>
+          </a:xfrm>
+          <a:prstGeom prst="rect">
+            <a:avLst/>
+          </a:prstGeom>
+        </p:spPr>
+      </p:pic>
+    </p:spTree>
+    <p:extLst>
+      <p:ext uri="{BB962C8B-B14F-4D97-AF65-F5344CB8AC3E}">
+        <p14:creationId xmlns:p14="http://schemas.microsoft.com/office/powerpoint/2010/main" val="3329904887"/>
+      </p:ext>
+    </p:extLst>
+  </p:cSld>
+  <p:clrMapOvr>
+    <a:masterClrMapping/>
+  </p:clrMapOvr>
+</p:sld>
+</file>
+
+<file path=ppt/slides/slide6.xml><?xml version="1.0" encoding="utf-8"?>
+<p:sld xmlns:a="http://schemas.openxmlformats.org/drawingml/2006/main" xmlns:r="http://schemas.openxmlformats.org/officeDocument/2006/relationships" xmlns:p="http://schemas.openxmlformats.org/presentationml/2006/main">
+  <p:cSld>
+    <p:spTree>
+      <p:nvGrpSpPr>
+        <p:cNvPr id="1" name=""/>
+        <p:cNvGrpSpPr/>
+        <p:nvPr/>
+      </p:nvGrpSpPr>
+      <p:grpSpPr>
+        <a:xfrm>
+          <a:off x="0" y="0"/>
+          <a:ext cx="0" cy="0"/>
+          <a:chOff x="0" y="0"/>
+          <a:chExt cx="0" cy="0"/>
+        </a:xfrm>
+      </p:grpSpPr>
+      <p:pic>
+        <p:nvPicPr>
+          <p:cNvPr id="5" name="Picture 4"/>
+          <p:cNvPicPr>
+            <a:picLocks noChangeAspect="1"/>
+          </p:cNvPicPr>
+          <p:nvPr/>
+        </p:nvPicPr>
+        <p:blipFill>
+          <a:blip r:embed="rId2"/>
+          <a:stretch>
+            <a:fillRect/>
+          </a:stretch>
+        </p:blipFill>
+        <p:spPr>
+          <a:xfrm>
+            <a:off x="515078" y="1616279"/>
+            <a:ext cx="11314243" cy="3831485"/>
+          </a:xfrm>
+          <a:prstGeom prst="rect">
+            <a:avLst/>
+          </a:prstGeom>
+        </p:spPr>
+      </p:pic>
+      <p:pic>
+        <p:nvPicPr>
+          <p:cNvPr id="6" name="Picture 5"/>
+          <p:cNvPicPr>
+            <a:picLocks noChangeAspect="1"/>
+          </p:cNvPicPr>
+          <p:nvPr/>
+        </p:nvPicPr>
+        <p:blipFill>
+          <a:blip r:embed="rId3"/>
+          <a:stretch>
+            <a:fillRect/>
+          </a:stretch>
+        </p:blipFill>
+        <p:spPr>
+          <a:xfrm>
+            <a:off x="0" y="0"/>
+            <a:ext cx="4896533" cy="866896"/>
+          </a:xfrm>
+          <a:prstGeom prst="rect">
+            <a:avLst/>
+          </a:prstGeom>
+        </p:spPr>
+      </p:pic>
+    </p:spTree>
+    <p:extLst>
+      <p:ext uri="{BB962C8B-B14F-4D97-AF65-F5344CB8AC3E}">
+        <p14:creationId xmlns:p14="http://schemas.microsoft.com/office/powerpoint/2010/main" val="1587834177"/>
+      </p:ext>
+    </p:extLst>
+  </p:cSld>
+  <p:clrMapOvr>
+    <a:masterClrMapping/>
+  </p:clrMapOvr>
+</p:sld>
+</file>
+
+<file path=ppt/slides/slide7.xml><?xml version="1.0" encoding="utf-8"?>
+<p:sld xmlns:a="http://schemas.openxmlformats.org/drawingml/2006/main" xmlns:r="http://schemas.openxmlformats.org/officeDocument/2006/relationships" xmlns:p="http://schemas.openxmlformats.org/presentationml/2006/main">
+  <p:cSld>
+    <p:spTree>
+      <p:nvGrpSpPr>
+        <p:cNvPr id="1" name=""/>
+        <p:cNvGrpSpPr/>
+        <p:nvPr/>
+      </p:nvGrpSpPr>
+      <p:grpSpPr>
+        <a:xfrm>
+          <a:off x="0" y="0"/>
+          <a:ext cx="0" cy="0"/>
+          <a:chOff x="0" y="0"/>
+          <a:chExt cx="0" cy="0"/>
+        </a:xfrm>
+      </p:grpSpPr>
+      <p:pic>
+        <p:nvPicPr>
+          <p:cNvPr id="5" name="Picture 4"/>
+          <p:cNvPicPr>
+            <a:picLocks noChangeAspect="1"/>
+          </p:cNvPicPr>
+          <p:nvPr/>
+        </p:nvPicPr>
+        <p:blipFill>
+          <a:blip r:embed="rId2"/>
+          <a:stretch>
+            <a:fillRect/>
+          </a:stretch>
+        </p:blipFill>
+        <p:spPr>
+          <a:xfrm>
+            <a:off x="0" y="-58189"/>
+            <a:ext cx="6306430" cy="1152686"/>
+          </a:xfrm>
+          <a:prstGeom prst="rect">
+            <a:avLst/>
+          </a:prstGeom>
+        </p:spPr>
+      </p:pic>
+      <p:pic>
+        <p:nvPicPr>
+          <p:cNvPr id="6" name="Content Placeholder 5"/>
+          <p:cNvPicPr>
+            <a:picLocks noGrp="1" noChangeAspect="1"/>
+          </p:cNvPicPr>
+          <p:nvPr>
+            <p:ph sz="half" idx="1"/>
+          </p:nvPr>
+        </p:nvPicPr>
+        <p:blipFill>
+          <a:blip r:embed="rId3"/>
+          <a:stretch>
+            <a:fillRect/>
+          </a:stretch>
+        </p:blipFill>
+        <p:spPr>
+          <a:xfrm>
+            <a:off x="746760" y="1825625"/>
+            <a:ext cx="5181600" cy="1227220"/>
+          </a:xfrm>
+          <a:prstGeom prst="rect">
+            <a:avLst/>
+          </a:prstGeom>
+        </p:spPr>
+      </p:pic>
+      <p:pic>
+        <p:nvPicPr>
+          <p:cNvPr id="7" name="Content Placeholder 6"/>
+          <p:cNvPicPr>
+            <a:picLocks noGrp="1" noChangeAspect="1"/>
+          </p:cNvPicPr>
+          <p:nvPr>
+            <p:ph sz="half" idx="2"/>
+          </p:nvPr>
+        </p:nvPicPr>
+        <p:blipFill>
+          <a:blip r:embed="rId4"/>
+          <a:stretch>
+            <a:fillRect/>
+          </a:stretch>
+        </p:blipFill>
+        <p:spPr>
+          <a:xfrm>
+            <a:off x="6944301" y="1825625"/>
+            <a:ext cx="3637398" cy="4351338"/>
+          </a:xfrm>
+          <a:prstGeom prst="rect">
+            <a:avLst/>
+          </a:prstGeom>
+        </p:spPr>
+      </p:pic>
+    </p:spTree>
+    <p:extLst>
+      <p:ext uri="{BB962C8B-B14F-4D97-AF65-F5344CB8AC3E}">
+        <p14:creationId xmlns:p14="http://schemas.microsoft.com/office/powerpoint/2010/main" val="2213454344"/>
+      </p:ext>
+    </p:extLst>
+  </p:cSld>
+  <p:clrMapOvr>
+    <a:masterClrMapping/>
+  </p:clrMapOvr>
+</p:sld>
+</file>
+
+<file path=ppt/slides/slide8.xml><?xml version="1.0" encoding="utf-8"?>
+<p:sld xmlns:a="http://schemas.openxmlformats.org/drawingml/2006/main" xmlns:r="http://schemas.openxmlformats.org/officeDocument/2006/relationships" xmlns:p="http://schemas.openxmlformats.org/presentationml/2006/main">
+  <p:cSld>
+    <p:spTree>
+      <p:nvGrpSpPr>
+        <p:cNvPr id="1" name=""/>
+        <p:cNvGrpSpPr/>
+        <p:nvPr/>
+      </p:nvGrpSpPr>
+      <p:grpSpPr>
+        <a:xfrm>
+          <a:off x="0" y="0"/>
+          <a:ext cx="0" cy="0"/>
+          <a:chOff x="0" y="0"/>
+          <a:chExt cx="0" cy="0"/>
+        </a:xfrm>
+      </p:grpSpPr>
+      <p:pic>
+        <p:nvPicPr>
+          <p:cNvPr id="5" name="Picture 4"/>
+          <p:cNvPicPr>
+            <a:picLocks noChangeAspect="1"/>
+          </p:cNvPicPr>
+          <p:nvPr/>
+        </p:nvPicPr>
+        <p:blipFill>
+          <a:blip r:embed="rId2"/>
+          <a:stretch>
+            <a:fillRect/>
+          </a:stretch>
+        </p:blipFill>
+        <p:spPr>
+          <a:xfrm>
+            <a:off x="505815" y="515389"/>
+            <a:ext cx="8154538" cy="2953162"/>
+          </a:xfrm>
+          <a:prstGeom prst="rect">
+            <a:avLst/>
+          </a:prstGeom>
+        </p:spPr>
+      </p:pic>
+    </p:spTree>
+    <p:extLst>
+      <p:ext uri="{BB962C8B-B14F-4D97-AF65-F5344CB8AC3E}">
+        <p14:creationId xmlns:p14="http://schemas.microsoft.com/office/powerpoint/2010/main" val="902974320"/>
+      </p:ext>
+    </p:extLst>
+  </p:cSld>
+  <p:clrMapOvr>
+    <a:masterClrMapping/>
+  </p:clrMapOvr>
+</p:sld>
+</file>
+
+<file path=ppt/slides/slide9.xml><?xml version="1.0" encoding="utf-8"?>
+<p:sld xmlns:a="http://schemas.openxmlformats.org/drawingml/2006/main" xmlns:r="http://schemas.openxmlformats.org/officeDocument/2006/relationships" xmlns:p="http://schemas.openxmlformats.org/presentationml/2006/main">
+  <p:cSld>
+    <p:spTree>
+      <p:nvGrpSpPr>
+        <p:cNvPr id="1" name=""/>
+        <p:cNvGrpSpPr/>
+        <p:nvPr/>
+      </p:nvGrpSpPr>
+      <p:grpSpPr>
+        <a:xfrm>
+          <a:off x="0" y="0"/>
+          <a:ext cx="0" cy="0"/>
+          <a:chOff x="0" y="0"/>
+          <a:chExt cx="0" cy="0"/>
+        </a:xfrm>
+      </p:grpSpPr>
+      <p:pic>
+        <p:nvPicPr>
+          <p:cNvPr id="5" name="Picture 4"/>
+          <p:cNvPicPr>
+            <a:picLocks noChangeAspect="1"/>
+          </p:cNvPicPr>
+          <p:nvPr/>
+        </p:nvPicPr>
+        <p:blipFill>
+          <a:blip r:embed="rId2"/>
+          <a:stretch>
+            <a:fillRect/>
+          </a:stretch>
+        </p:blipFill>
+        <p:spPr>
+          <a:xfrm>
+            <a:off x="592855" y="733492"/>
+            <a:ext cx="7554379" cy="3181794"/>
+          </a:xfrm>
+          <a:prstGeom prst="rect">
+            <a:avLst/>
+          </a:prstGeom>
+        </p:spPr>
+      </p:pic>
+    </p:spTree>
+    <p:extLst>
+      <p:ext uri="{BB962C8B-B14F-4D97-AF65-F5344CB8AC3E}">
+        <p14:creationId xmlns:p14="http://schemas.microsoft.com/office/powerpoint/2010/main" val="4288461727"/>
+      </p:ext>
+    </p:extLst>
+  </p:cSld>
+  <p:clrMapOvr>
+    <a:masterClrMapping/>
+  </p:clrMapOvr>
 </p:sld>
 </file>
 

--- a/sesija-17/PPT/Front-End Developer-17.pptx
+++ b/sesija-17/PPT/Front-End Developer-17.pptx
@@ -7885,7 +7885,7 @@
         </p:blipFill>
         <p:spPr>
           <a:xfrm>
-            <a:off x="1206454" y="3804865"/>
+            <a:off x="1264644" y="3713425"/>
             <a:ext cx="3962953" cy="2105319"/>
           </a:xfrm>
           <a:prstGeom prst="rect">
